--- a/document/20171103-cvte-web后端-祝宇平.pptx
+++ b/document/20171103-cvte-web后端-祝宇平.pptx
@@ -5,13 +5,14 @@
     <p:sldMasterId id="2147483648" r:id="rId1"/>
   </p:sldMasterIdLst>
   <p:sldIdLst>
-    <p:sldId id="256" r:id="rId3"/>
-    <p:sldId id="259" r:id="rId4"/>
-    <p:sldId id="263" r:id="rId5"/>
-    <p:sldId id="257" r:id="rId6"/>
-    <p:sldId id="258" r:id="rId7"/>
-    <p:sldId id="260" r:id="rId8"/>
-    <p:sldId id="262" r:id="rId9"/>
+    <p:sldId id="256" r:id="rId2"/>
+    <p:sldId id="259" r:id="rId3"/>
+    <p:sldId id="263" r:id="rId4"/>
+    <p:sldId id="257" r:id="rId5"/>
+    <p:sldId id="258" r:id="rId6"/>
+    <p:sldId id="260" r:id="rId7"/>
+    <p:sldId id="262" r:id="rId8"/>
+    <p:sldId id="264" r:id="rId9"/>
   </p:sldIdLst>
   <p:sldSz cx="12192000" cy="6858000"/>
   <p:notesSz cx="6858000" cy="9144000"/>
@@ -110,6 +111,11 @@
       </a:defRPr>
     </a:lvl9pPr>
   </p:defaultTextStyle>
+  <p:extLst>
+    <p:ext uri="{EFAFB233-063F-42B5-8137-9DF3F51BA10A}">
+      <p15:sldGuideLst xmlns:p15="http://schemas.microsoft.com/office/powerpoint/2012/main"/>
+    </p:ext>
+  </p:extLst>
 </p:presentation>
 </file>
 
@@ -244,6 +250,7 @@
           <a:p>
             <a:fld id="{D997B5FA-0921-464F-AAE1-844C04324D75}" type="datetimeFigureOut">
               <a:rPr lang="zh-CN" altLang="en-US" smtClean="0"/>
+              <a:t>2017/11/2</a:t>
             </a:fld>
             <a:endParaRPr lang="zh-CN" altLang="en-US"/>
           </a:p>
@@ -285,6 +292,7 @@
           <a:p>
             <a:fld id="{565CE74E-AB26-4998-AD42-012C4C1AD076}" type="slidenum">
               <a:rPr lang="zh-CN" altLang="en-US" smtClean="0"/>
+              <a:t>‹#›</a:t>
             </a:fld>
             <a:endParaRPr lang="zh-CN" altLang="en-US"/>
           </a:p>
@@ -358,7 +366,6 @@
               <a:rPr lang="zh-CN" altLang="en-US" smtClean="0"/>
               <a:t>单击此处编辑母版文本样式</a:t>
             </a:r>
-            <a:endParaRPr lang="zh-CN" altLang="en-US" smtClean="0"/>
           </a:p>
           <a:p>
             <a:pPr lvl="1"/>
@@ -366,7 +373,6 @@
               <a:rPr lang="zh-CN" altLang="en-US" smtClean="0"/>
               <a:t>第二级</a:t>
             </a:r>
-            <a:endParaRPr lang="zh-CN" altLang="en-US" smtClean="0"/>
           </a:p>
           <a:p>
             <a:pPr lvl="2"/>
@@ -374,7 +380,6 @@
               <a:rPr lang="zh-CN" altLang="en-US" smtClean="0"/>
               <a:t>第三级</a:t>
             </a:r>
-            <a:endParaRPr lang="zh-CN" altLang="en-US" smtClean="0"/>
           </a:p>
           <a:p>
             <a:pPr lvl="3"/>
@@ -382,7 +387,6 @@
               <a:rPr lang="zh-CN" altLang="en-US" smtClean="0"/>
               <a:t>第四级</a:t>
             </a:r>
-            <a:endParaRPr lang="zh-CN" altLang="en-US" smtClean="0"/>
           </a:p>
           <a:p>
             <a:pPr lvl="4"/>
@@ -411,6 +415,7 @@
           <a:p>
             <a:fld id="{D997B5FA-0921-464F-AAE1-844C04324D75}" type="datetimeFigureOut">
               <a:rPr lang="zh-CN" altLang="en-US" smtClean="0"/>
+              <a:t>2017/11/2</a:t>
             </a:fld>
             <a:endParaRPr lang="zh-CN" altLang="en-US"/>
           </a:p>
@@ -452,6 +457,7 @@
           <a:p>
             <a:fld id="{565CE74E-AB26-4998-AD42-012C4C1AD076}" type="slidenum">
               <a:rPr lang="zh-CN" altLang="en-US" smtClean="0"/>
+              <a:t>‹#›</a:t>
             </a:fld>
             <a:endParaRPr lang="zh-CN" altLang="en-US"/>
           </a:p>
@@ -535,7 +541,6 @@
               <a:rPr lang="zh-CN" altLang="en-US" smtClean="0"/>
               <a:t>单击此处编辑母版文本样式</a:t>
             </a:r>
-            <a:endParaRPr lang="zh-CN" altLang="en-US" smtClean="0"/>
           </a:p>
           <a:p>
             <a:pPr lvl="1"/>
@@ -543,7 +548,6 @@
               <a:rPr lang="zh-CN" altLang="en-US" smtClean="0"/>
               <a:t>第二级</a:t>
             </a:r>
-            <a:endParaRPr lang="zh-CN" altLang="en-US" smtClean="0"/>
           </a:p>
           <a:p>
             <a:pPr lvl="2"/>
@@ -551,7 +555,6 @@
               <a:rPr lang="zh-CN" altLang="en-US" smtClean="0"/>
               <a:t>第三级</a:t>
             </a:r>
-            <a:endParaRPr lang="zh-CN" altLang="en-US" smtClean="0"/>
           </a:p>
           <a:p>
             <a:pPr lvl="3"/>
@@ -559,7 +562,6 @@
               <a:rPr lang="zh-CN" altLang="en-US" smtClean="0"/>
               <a:t>第四级</a:t>
             </a:r>
-            <a:endParaRPr lang="zh-CN" altLang="en-US" smtClean="0"/>
           </a:p>
           <a:p>
             <a:pPr lvl="4"/>
@@ -588,6 +590,7 @@
           <a:p>
             <a:fld id="{D997B5FA-0921-464F-AAE1-844C04324D75}" type="datetimeFigureOut">
               <a:rPr lang="zh-CN" altLang="en-US" smtClean="0"/>
+              <a:t>2017/11/2</a:t>
             </a:fld>
             <a:endParaRPr lang="zh-CN" altLang="en-US"/>
           </a:p>
@@ -629,6 +632,7 @@
           <a:p>
             <a:fld id="{565CE74E-AB26-4998-AD42-012C4C1AD076}" type="slidenum">
               <a:rPr lang="zh-CN" altLang="en-US" smtClean="0"/>
+              <a:t>‹#›</a:t>
             </a:fld>
             <a:endParaRPr lang="zh-CN" altLang="en-US"/>
           </a:p>
@@ -702,7 +706,6 @@
               <a:rPr lang="zh-CN" altLang="en-US" smtClean="0"/>
               <a:t>单击此处编辑母版文本样式</a:t>
             </a:r>
-            <a:endParaRPr lang="zh-CN" altLang="en-US" smtClean="0"/>
           </a:p>
           <a:p>
             <a:pPr lvl="1"/>
@@ -710,7 +713,6 @@
               <a:rPr lang="zh-CN" altLang="en-US" smtClean="0"/>
               <a:t>第二级</a:t>
             </a:r>
-            <a:endParaRPr lang="zh-CN" altLang="en-US" smtClean="0"/>
           </a:p>
           <a:p>
             <a:pPr lvl="2"/>
@@ -718,7 +720,6 @@
               <a:rPr lang="zh-CN" altLang="en-US" smtClean="0"/>
               <a:t>第三级</a:t>
             </a:r>
-            <a:endParaRPr lang="zh-CN" altLang="en-US" smtClean="0"/>
           </a:p>
           <a:p>
             <a:pPr lvl="3"/>
@@ -726,7 +727,6 @@
               <a:rPr lang="zh-CN" altLang="en-US" smtClean="0"/>
               <a:t>第四级</a:t>
             </a:r>
-            <a:endParaRPr lang="zh-CN" altLang="en-US" smtClean="0"/>
           </a:p>
           <a:p>
             <a:pPr lvl="4"/>
@@ -755,6 +755,7 @@
           <a:p>
             <a:fld id="{D997B5FA-0921-464F-AAE1-844C04324D75}" type="datetimeFigureOut">
               <a:rPr lang="zh-CN" altLang="en-US" smtClean="0"/>
+              <a:t>2017/11/2</a:t>
             </a:fld>
             <a:endParaRPr lang="zh-CN" altLang="en-US"/>
           </a:p>
@@ -796,6 +797,7 @@
           <a:p>
             <a:fld id="{565CE74E-AB26-4998-AD42-012C4C1AD076}" type="slidenum">
               <a:rPr lang="zh-CN" altLang="en-US" smtClean="0"/>
+              <a:t>‹#›</a:t>
             </a:fld>
             <a:endParaRPr lang="zh-CN" altLang="en-US"/>
           </a:p>
@@ -994,6 +996,7 @@
           <a:p>
             <a:fld id="{D997B5FA-0921-464F-AAE1-844C04324D75}" type="datetimeFigureOut">
               <a:rPr lang="zh-CN" altLang="en-US" smtClean="0"/>
+              <a:t>2017/11/2</a:t>
             </a:fld>
             <a:endParaRPr lang="zh-CN" altLang="en-US"/>
           </a:p>
@@ -1035,6 +1038,7 @@
           <a:p>
             <a:fld id="{565CE74E-AB26-4998-AD42-012C4C1AD076}" type="slidenum">
               <a:rPr lang="zh-CN" altLang="en-US" smtClean="0"/>
+              <a:t>‹#›</a:t>
             </a:fld>
             <a:endParaRPr lang="zh-CN" altLang="en-US"/>
           </a:p>
@@ -1113,7 +1117,6 @@
               <a:rPr lang="zh-CN" altLang="en-US" smtClean="0"/>
               <a:t>单击此处编辑母版文本样式</a:t>
             </a:r>
-            <a:endParaRPr lang="zh-CN" altLang="en-US" smtClean="0"/>
           </a:p>
           <a:p>
             <a:pPr lvl="1"/>
@@ -1121,7 +1124,6 @@
               <a:rPr lang="zh-CN" altLang="en-US" smtClean="0"/>
               <a:t>第二级</a:t>
             </a:r>
-            <a:endParaRPr lang="zh-CN" altLang="en-US" smtClean="0"/>
           </a:p>
           <a:p>
             <a:pPr lvl="2"/>
@@ -1129,7 +1131,6 @@
               <a:rPr lang="zh-CN" altLang="en-US" smtClean="0"/>
               <a:t>第三级</a:t>
             </a:r>
-            <a:endParaRPr lang="zh-CN" altLang="en-US" smtClean="0"/>
           </a:p>
           <a:p>
             <a:pPr lvl="3"/>
@@ -1137,7 +1138,6 @@
               <a:rPr lang="zh-CN" altLang="en-US" smtClean="0"/>
               <a:t>第四级</a:t>
             </a:r>
-            <a:endParaRPr lang="zh-CN" altLang="en-US" smtClean="0"/>
           </a:p>
           <a:p>
             <a:pPr lvl="4"/>
@@ -1174,7 +1174,6 @@
               <a:rPr lang="zh-CN" altLang="en-US" smtClean="0"/>
               <a:t>单击此处编辑母版文本样式</a:t>
             </a:r>
-            <a:endParaRPr lang="zh-CN" altLang="en-US" smtClean="0"/>
           </a:p>
           <a:p>
             <a:pPr lvl="1"/>
@@ -1182,7 +1181,6 @@
               <a:rPr lang="zh-CN" altLang="en-US" smtClean="0"/>
               <a:t>第二级</a:t>
             </a:r>
-            <a:endParaRPr lang="zh-CN" altLang="en-US" smtClean="0"/>
           </a:p>
           <a:p>
             <a:pPr lvl="2"/>
@@ -1190,7 +1188,6 @@
               <a:rPr lang="zh-CN" altLang="en-US" smtClean="0"/>
               <a:t>第三级</a:t>
             </a:r>
-            <a:endParaRPr lang="zh-CN" altLang="en-US" smtClean="0"/>
           </a:p>
           <a:p>
             <a:pPr lvl="3"/>
@@ -1198,7 +1195,6 @@
               <a:rPr lang="zh-CN" altLang="en-US" smtClean="0"/>
               <a:t>第四级</a:t>
             </a:r>
-            <a:endParaRPr lang="zh-CN" altLang="en-US" smtClean="0"/>
           </a:p>
           <a:p>
             <a:pPr lvl="4"/>
@@ -1227,6 +1223,7 @@
           <a:p>
             <a:fld id="{D997B5FA-0921-464F-AAE1-844C04324D75}" type="datetimeFigureOut">
               <a:rPr lang="zh-CN" altLang="en-US" smtClean="0"/>
+              <a:t>2017/11/2</a:t>
             </a:fld>
             <a:endParaRPr lang="zh-CN" altLang="en-US"/>
           </a:p>
@@ -1268,6 +1265,7 @@
           <a:p>
             <a:fld id="{565CE74E-AB26-4998-AD42-012C4C1AD076}" type="slidenum">
               <a:rPr lang="zh-CN" altLang="en-US" smtClean="0"/>
+              <a:t>‹#›</a:t>
             </a:fld>
             <a:endParaRPr lang="zh-CN" altLang="en-US"/>
           </a:p>
@@ -1416,7 +1414,6 @@
               <a:rPr lang="zh-CN" altLang="en-US" smtClean="0"/>
               <a:t>单击此处编辑母版文本样式</a:t>
             </a:r>
-            <a:endParaRPr lang="zh-CN" altLang="en-US" smtClean="0"/>
           </a:p>
           <a:p>
             <a:pPr lvl="1"/>
@@ -1424,7 +1421,6 @@
               <a:rPr lang="zh-CN" altLang="en-US" smtClean="0"/>
               <a:t>第二级</a:t>
             </a:r>
-            <a:endParaRPr lang="zh-CN" altLang="en-US" smtClean="0"/>
           </a:p>
           <a:p>
             <a:pPr lvl="2"/>
@@ -1432,7 +1428,6 @@
               <a:rPr lang="zh-CN" altLang="en-US" smtClean="0"/>
               <a:t>第三级</a:t>
             </a:r>
-            <a:endParaRPr lang="zh-CN" altLang="en-US" smtClean="0"/>
           </a:p>
           <a:p>
             <a:pPr lvl="3"/>
@@ -1440,7 +1435,6 @@
               <a:rPr lang="zh-CN" altLang="en-US" smtClean="0"/>
               <a:t>第四级</a:t>
             </a:r>
-            <a:endParaRPr lang="zh-CN" altLang="en-US" smtClean="0"/>
           </a:p>
           <a:p>
             <a:pPr lvl="4"/>
@@ -1542,7 +1536,6 @@
               <a:rPr lang="zh-CN" altLang="en-US" smtClean="0"/>
               <a:t>单击此处编辑母版文本样式</a:t>
             </a:r>
-            <a:endParaRPr lang="zh-CN" altLang="en-US" smtClean="0"/>
           </a:p>
           <a:p>
             <a:pPr lvl="1"/>
@@ -1550,7 +1543,6 @@
               <a:rPr lang="zh-CN" altLang="en-US" smtClean="0"/>
               <a:t>第二级</a:t>
             </a:r>
-            <a:endParaRPr lang="zh-CN" altLang="en-US" smtClean="0"/>
           </a:p>
           <a:p>
             <a:pPr lvl="2"/>
@@ -1558,7 +1550,6 @@
               <a:rPr lang="zh-CN" altLang="en-US" smtClean="0"/>
               <a:t>第三级</a:t>
             </a:r>
-            <a:endParaRPr lang="zh-CN" altLang="en-US" smtClean="0"/>
           </a:p>
           <a:p>
             <a:pPr lvl="3"/>
@@ -1566,7 +1557,6 @@
               <a:rPr lang="zh-CN" altLang="en-US" smtClean="0"/>
               <a:t>第四级</a:t>
             </a:r>
-            <a:endParaRPr lang="zh-CN" altLang="en-US" smtClean="0"/>
           </a:p>
           <a:p>
             <a:pPr lvl="4"/>
@@ -1595,6 +1585,7 @@
           <a:p>
             <a:fld id="{D997B5FA-0921-464F-AAE1-844C04324D75}" type="datetimeFigureOut">
               <a:rPr lang="zh-CN" altLang="en-US" smtClean="0"/>
+              <a:t>2017/11/2</a:t>
             </a:fld>
             <a:endParaRPr lang="zh-CN" altLang="en-US"/>
           </a:p>
@@ -1636,6 +1627,7 @@
           <a:p>
             <a:fld id="{565CE74E-AB26-4998-AD42-012C4C1AD076}" type="slidenum">
               <a:rPr lang="zh-CN" altLang="en-US" smtClean="0"/>
+              <a:t>‹#›</a:t>
             </a:fld>
             <a:endParaRPr lang="zh-CN" altLang="en-US"/>
           </a:p>
@@ -1706,6 +1698,7 @@
           <a:p>
             <a:fld id="{D997B5FA-0921-464F-AAE1-844C04324D75}" type="datetimeFigureOut">
               <a:rPr lang="zh-CN" altLang="en-US" smtClean="0"/>
+              <a:t>2017/11/2</a:t>
             </a:fld>
             <a:endParaRPr lang="zh-CN" altLang="en-US"/>
           </a:p>
@@ -1747,6 +1740,7 @@
           <a:p>
             <a:fld id="{565CE74E-AB26-4998-AD42-012C4C1AD076}" type="slidenum">
               <a:rPr lang="zh-CN" altLang="en-US" smtClean="0"/>
+              <a:t>‹#›</a:t>
             </a:fld>
             <a:endParaRPr lang="zh-CN" altLang="en-US"/>
           </a:p>
@@ -1794,6 +1788,7 @@
           <a:p>
             <a:fld id="{D997B5FA-0921-464F-AAE1-844C04324D75}" type="datetimeFigureOut">
               <a:rPr lang="zh-CN" altLang="en-US" smtClean="0"/>
+              <a:t>2017/11/2</a:t>
             </a:fld>
             <a:endParaRPr lang="zh-CN" altLang="en-US"/>
           </a:p>
@@ -1835,6 +1830,7 @@
           <a:p>
             <a:fld id="{565CE74E-AB26-4998-AD42-012C4C1AD076}" type="slidenum">
               <a:rPr lang="zh-CN" altLang="en-US" smtClean="0"/>
+              <a:t>‹#›</a:t>
             </a:fld>
             <a:endParaRPr lang="zh-CN" altLang="en-US"/>
           </a:p>
@@ -1950,7 +1946,6 @@
               <a:rPr lang="zh-CN" altLang="en-US" smtClean="0"/>
               <a:t>单击此处编辑母版文本样式</a:t>
             </a:r>
-            <a:endParaRPr lang="zh-CN" altLang="en-US" smtClean="0"/>
           </a:p>
           <a:p>
             <a:pPr lvl="1"/>
@@ -1958,7 +1953,6 @@
               <a:rPr lang="zh-CN" altLang="en-US" smtClean="0"/>
               <a:t>第二级</a:t>
             </a:r>
-            <a:endParaRPr lang="zh-CN" altLang="en-US" smtClean="0"/>
           </a:p>
           <a:p>
             <a:pPr lvl="2"/>
@@ -1966,7 +1960,6 @@
               <a:rPr lang="zh-CN" altLang="en-US" smtClean="0"/>
               <a:t>第三级</a:t>
             </a:r>
-            <a:endParaRPr lang="zh-CN" altLang="en-US" smtClean="0"/>
           </a:p>
           <a:p>
             <a:pPr lvl="3"/>
@@ -1974,7 +1967,6 @@
               <a:rPr lang="zh-CN" altLang="en-US" smtClean="0"/>
               <a:t>第四级</a:t>
             </a:r>
-            <a:endParaRPr lang="zh-CN" altLang="en-US" smtClean="0"/>
           </a:p>
           <a:p>
             <a:pPr lvl="4"/>
@@ -2068,6 +2060,7 @@
           <a:p>
             <a:fld id="{D997B5FA-0921-464F-AAE1-844C04324D75}" type="datetimeFigureOut">
               <a:rPr lang="zh-CN" altLang="en-US" smtClean="0"/>
+              <a:t>2017/11/2</a:t>
             </a:fld>
             <a:endParaRPr lang="zh-CN" altLang="en-US"/>
           </a:p>
@@ -2109,6 +2102,7 @@
           <a:p>
             <a:fld id="{565CE74E-AB26-4998-AD42-012C4C1AD076}" type="slidenum">
               <a:rPr lang="zh-CN" altLang="en-US" smtClean="0"/>
+              <a:t>‹#›</a:t>
             </a:fld>
             <a:endParaRPr lang="zh-CN" altLang="en-US"/>
           </a:p>
@@ -2314,6 +2308,7 @@
           <a:p>
             <a:fld id="{D997B5FA-0921-464F-AAE1-844C04324D75}" type="datetimeFigureOut">
               <a:rPr lang="zh-CN" altLang="en-US" smtClean="0"/>
+              <a:t>2017/11/2</a:t>
             </a:fld>
             <a:endParaRPr lang="zh-CN" altLang="en-US"/>
           </a:p>
@@ -2355,6 +2350,7 @@
           <a:p>
             <a:fld id="{565CE74E-AB26-4998-AD42-012C4C1AD076}" type="slidenum">
               <a:rPr lang="zh-CN" altLang="en-US" smtClean="0"/>
+              <a:t>‹#›</a:t>
             </a:fld>
             <a:endParaRPr lang="zh-CN" altLang="en-US"/>
           </a:p>
@@ -2453,7 +2449,6 @@
               <a:rPr lang="zh-CN" altLang="en-US" smtClean="0"/>
               <a:t>单击此处编辑母版文本样式</a:t>
             </a:r>
-            <a:endParaRPr lang="zh-CN" altLang="en-US" smtClean="0"/>
           </a:p>
           <a:p>
             <a:pPr lvl="1"/>
@@ -2461,7 +2456,6 @@
               <a:rPr lang="zh-CN" altLang="en-US" smtClean="0"/>
               <a:t>第二级</a:t>
             </a:r>
-            <a:endParaRPr lang="zh-CN" altLang="en-US" smtClean="0"/>
           </a:p>
           <a:p>
             <a:pPr lvl="2"/>
@@ -2469,7 +2463,6 @@
               <a:rPr lang="zh-CN" altLang="en-US" smtClean="0"/>
               <a:t>第三级</a:t>
             </a:r>
-            <a:endParaRPr lang="zh-CN" altLang="en-US" smtClean="0"/>
           </a:p>
           <a:p>
             <a:pPr lvl="3"/>
@@ -2477,7 +2470,6 @@
               <a:rPr lang="zh-CN" altLang="en-US" smtClean="0"/>
               <a:t>第四级</a:t>
             </a:r>
-            <a:endParaRPr lang="zh-CN" altLang="en-US" smtClean="0"/>
           </a:p>
           <a:p>
             <a:pPr lvl="4"/>
@@ -2524,6 +2516,7 @@
           <a:p>
             <a:fld id="{D997B5FA-0921-464F-AAE1-844C04324D75}" type="datetimeFigureOut">
               <a:rPr lang="zh-CN" altLang="en-US" smtClean="0"/>
+              <a:t>2017/11/2</a:t>
             </a:fld>
             <a:endParaRPr lang="zh-CN" altLang="en-US"/>
           </a:p>
@@ -2601,6 +2594,7 @@
           <a:p>
             <a:fld id="{565CE74E-AB26-4998-AD42-012C4C1AD076}" type="slidenum">
               <a:rPr lang="zh-CN" altLang="en-US" smtClean="0"/>
+              <a:t>‹#›</a:t>
             </a:fld>
             <a:endParaRPr lang="zh-CN" altLang="en-US"/>
           </a:p>
@@ -2914,7 +2908,14 @@
         <p:cNvGrpSpPr/>
         <p:nvPr/>
       </p:nvGrpSpPr>
-      <p:grpSpPr/>
+      <p:grpSpPr>
+        <a:xfrm>
+          <a:off x="0" y="0"/>
+          <a:ext cx="0" cy="0"/>
+          <a:chOff x="0" y="0"/>
+          <a:chExt cx="0" cy="0"/>
+        </a:xfrm>
+      </p:grpSpPr>
       <p:sp>
         <p:nvSpPr>
           <p:cNvPr id="2" name="标题 1"/>
@@ -2928,12 +2929,12 @@
         <p:spPr/>
         <p:txBody>
           <a:bodyPr/>
-          <a:p>
-            <a:r>
-              <a:rPr lang="zh-CN" altLang="en-US"/>
+          <a:lstStyle/>
+          <a:p>
+            <a:r>
+              <a:rPr lang="zh-CN" altLang="en-US" dirty="0"/>
               <a:t>任务积分系统</a:t>
             </a:r>
-            <a:endParaRPr lang="zh-CN" altLang="en-US"/>
           </a:p>
         </p:txBody>
       </p:sp>
@@ -2950,8 +2951,25 @@
         <p:spPr/>
         <p:txBody>
           <a:bodyPr/>
-          <a:p>
-            <a:endParaRPr lang="zh-CN" altLang="en-US"/>
+          <a:lstStyle/>
+          <a:p>
+            <a:r>
+              <a:rPr lang="en-US" altLang="zh-CN" dirty="0" smtClean="0"/>
+              <a:t>Web-</a:t>
+            </a:r>
+            <a:r>
+              <a:rPr lang="zh-CN" altLang="en-US" dirty="0" smtClean="0"/>
+              <a:t>后端</a:t>
+            </a:r>
+            <a:r>
+              <a:rPr lang="en-US" altLang="zh-CN" dirty="0" smtClean="0"/>
+              <a:t>-</a:t>
+            </a:r>
+            <a:r>
+              <a:rPr lang="zh-CN" altLang="en-US" dirty="0" smtClean="0"/>
+              <a:t>祝宇平</a:t>
+            </a:r>
+            <a:endParaRPr lang="zh-CN" altLang="en-US" dirty="0"/>
           </a:p>
         </p:txBody>
       </p:sp>
@@ -2960,6 +2978,13 @@
   <p:clrMapOvr>
     <a:masterClrMapping/>
   </p:clrMapOvr>
+  <p:timing>
+    <p:tnLst>
+      <p:par>
+        <p:cTn id="1" dur="indefinite" restart="never" nodeType="tmRoot"/>
+      </p:par>
+    </p:tnLst>
+  </p:timing>
 </p:sld>
 </file>
 
@@ -2972,7 +2997,14 @@
         <p:cNvGrpSpPr/>
         <p:nvPr/>
       </p:nvGrpSpPr>
-      <p:grpSpPr/>
+      <p:grpSpPr>
+        <a:xfrm>
+          <a:off x="0" y="0"/>
+          <a:ext cx="0" cy="0"/>
+          <a:chOff x="0" y="0"/>
+          <a:chExt cx="0" cy="0"/>
+        </a:xfrm>
+      </p:grpSpPr>
       <p:sp>
         <p:nvSpPr>
           <p:cNvPr id="2" name="标题 1"/>
@@ -2986,12 +3018,13 @@
         <p:spPr/>
         <p:txBody>
           <a:bodyPr/>
-          <a:p>
-            <a:r>
-              <a:rPr lang="zh-CN" altLang="en-US"/>
-              <a:t>应用场景</a:t>
-            </a:r>
-            <a:endParaRPr lang="zh-CN" altLang="en-US"/>
+          <a:lstStyle/>
+          <a:p>
+            <a:r>
+              <a:rPr lang="zh-CN" altLang="en-US" dirty="0"/>
+              <a:t>背景</a:t>
+            </a:r>
+            <a:endParaRPr lang="zh-CN" altLang="en-US" dirty="0"/>
           </a:p>
         </p:txBody>
       </p:sp>
@@ -3008,35 +3041,144 @@
         <p:spPr/>
         <p:txBody>
           <a:bodyPr/>
-          <a:p>
-            <a:r>
-              <a:rPr lang="en-US" altLang="zh-CN"/>
+          <a:lstStyle/>
+          <a:p>
+            <a:r>
+              <a:rPr lang="en-US" altLang="zh-CN" dirty="0"/>
               <a:t>WEB</a:t>
             </a:r>
             <a:r>
-              <a:rPr lang="zh-CN" altLang="en-US"/>
+              <a:rPr lang="zh-CN" altLang="en-US" dirty="0"/>
               <a:t>应用</a:t>
             </a:r>
-            <a:endParaRPr lang="zh-CN" altLang="en-US"/>
-          </a:p>
-          <a:p>
-            <a:r>
-              <a:rPr lang="en-US" altLang="zh-CN"/>
+          </a:p>
+          <a:p>
+            <a:r>
+              <a:rPr lang="en-US" altLang="zh-CN" dirty="0"/>
               <a:t>SOA</a:t>
             </a:r>
             <a:r>
-              <a:rPr lang="zh-CN" altLang="en-US"/>
+              <a:rPr lang="zh-CN" altLang="en-US" dirty="0"/>
               <a:t>服务调用</a:t>
             </a:r>
-            <a:endParaRPr lang="zh-CN" altLang="en-US"/>
-          </a:p>
-        </p:txBody>
-      </p:sp>
+          </a:p>
+        </p:txBody>
+      </p:sp>
+      <p:pic>
+        <p:nvPicPr>
+          <p:cNvPr id="4" name="图片 3"/>
+          <p:cNvPicPr>
+            <a:picLocks noChangeAspect="1"/>
+          </p:cNvPicPr>
+          <p:nvPr/>
+        </p:nvPicPr>
+        <p:blipFill>
+          <a:blip r:embed="rId2"/>
+          <a:stretch>
+            <a:fillRect/>
+          </a:stretch>
+        </p:blipFill>
+        <p:spPr>
+          <a:xfrm>
+            <a:off x="691722" y="2949262"/>
+            <a:ext cx="10343192" cy="3465669"/>
+          </a:xfrm>
+          <a:prstGeom prst="rect">
+            <a:avLst/>
+          </a:prstGeom>
+        </p:spPr>
+      </p:pic>
     </p:spTree>
   </p:cSld>
   <p:clrMapOvr>
     <a:masterClrMapping/>
   </p:clrMapOvr>
+  <p:timing>
+    <p:tnLst>
+      <p:par>
+        <p:cTn id="1" dur="indefinite" restart="never" nodeType="tmRoot">
+          <p:childTnLst>
+            <p:seq concurrent="1" nextAc="seek">
+              <p:cTn id="2" dur="indefinite" nodeType="mainSeq">
+                <p:childTnLst>
+                  <p:par>
+                    <p:cTn id="3" fill="hold">
+                      <p:stCondLst>
+                        <p:cond delay="indefinite"/>
+                        <p:cond evt="onBegin" delay="0">
+                          <p:tn val="2"/>
+                        </p:cond>
+                      </p:stCondLst>
+                      <p:childTnLst>
+                        <p:par>
+                          <p:cTn id="4" fill="hold">
+                            <p:stCondLst>
+                              <p:cond delay="0"/>
+                            </p:stCondLst>
+                            <p:childTnLst>
+                              <p:par>
+                                <p:cTn id="5" presetID="10" presetClass="entr" presetSubtype="0" fill="hold" nodeType="withEffect">
+                                  <p:stCondLst>
+                                    <p:cond delay="0"/>
+                                  </p:stCondLst>
+                                  <p:childTnLst>
+                                    <p:set>
+                                      <p:cBhvr>
+                                        <p:cTn id="6" dur="1" fill="hold">
+                                          <p:stCondLst>
+                                            <p:cond delay="0"/>
+                                          </p:stCondLst>
+                                        </p:cTn>
+                                        <p:tgtEl>
+                                          <p:spTgt spid="4"/>
+                                        </p:tgtEl>
+                                        <p:attrNameLst>
+                                          <p:attrName>style.visibility</p:attrName>
+                                        </p:attrNameLst>
+                                      </p:cBhvr>
+                                      <p:to>
+                                        <p:strVal val="visible"/>
+                                      </p:to>
+                                    </p:set>
+                                    <p:animEffect transition="in" filter="fade">
+                                      <p:cBhvr>
+                                        <p:cTn id="7" dur="500"/>
+                                        <p:tgtEl>
+                                          <p:spTgt spid="4"/>
+                                        </p:tgtEl>
+                                      </p:cBhvr>
+                                    </p:animEffect>
+                                  </p:childTnLst>
+                                </p:cTn>
+                              </p:par>
+                            </p:childTnLst>
+                          </p:cTn>
+                        </p:par>
+                      </p:childTnLst>
+                    </p:cTn>
+                  </p:par>
+                </p:childTnLst>
+              </p:cTn>
+              <p:prevCondLst>
+                <p:cond evt="onPrev" delay="0">
+                  <p:tgtEl>
+                    <p:sldTgt/>
+                  </p:tgtEl>
+                </p:cond>
+              </p:prevCondLst>
+              <p:nextCondLst>
+                <p:cond evt="onNext" delay="0">
+                  <p:tgtEl>
+                    <p:sldTgt/>
+                  </p:tgtEl>
+                </p:cond>
+              </p:nextCondLst>
+            </p:seq>
+          </p:childTnLst>
+        </p:cTn>
+      </p:par>
+    </p:tnLst>
+  </p:timing>
 </p:sld>
 </file>
 
@@ -3049,7 +3191,14 @@
         <p:cNvGrpSpPr/>
         <p:nvPr/>
       </p:nvGrpSpPr>
-      <p:grpSpPr/>
+      <p:grpSpPr>
+        <a:xfrm>
+          <a:off x="0" y="0"/>
+          <a:ext cx="0" cy="0"/>
+          <a:chOff x="0" y="0"/>
+          <a:chExt cx="0" cy="0"/>
+        </a:xfrm>
+      </p:grpSpPr>
       <p:sp>
         <p:nvSpPr>
           <p:cNvPr id="2" name="标题 1"/>
@@ -3068,12 +3217,12 @@
         </p:spPr>
         <p:txBody>
           <a:bodyPr/>
+          <a:lstStyle/>
           <a:p>
             <a:r>
               <a:rPr lang="zh-CN" altLang="en-US"/>
               <a:t>项目结构依赖</a:t>
             </a:r>
-            <a:endParaRPr lang="zh-CN" altLang="en-US"/>
           </a:p>
         </p:txBody>
       </p:sp>
@@ -3086,7 +3235,7 @@
           <p:nvPr/>
         </p:nvPicPr>
         <p:blipFill>
-          <a:blip r:embed="rId1"/>
+          <a:blip r:embed="rId2"/>
           <a:stretch>
             <a:fillRect/>
           </a:stretch>
@@ -3106,6 +3255,92 @@
   <p:clrMapOvr>
     <a:masterClrMapping/>
   </p:clrMapOvr>
+  <p:timing>
+    <p:tnLst>
+      <p:par>
+        <p:cTn id="1" dur="indefinite" restart="never" nodeType="tmRoot">
+          <p:childTnLst>
+            <p:seq concurrent="1" nextAc="seek">
+              <p:cTn id="2" dur="indefinite" nodeType="mainSeq">
+                <p:childTnLst>
+                  <p:par>
+                    <p:cTn id="3" fill="hold">
+                      <p:stCondLst>
+                        <p:cond delay="indefinite"/>
+                        <p:cond evt="onBegin" delay="0">
+                          <p:tn val="2"/>
+                        </p:cond>
+                      </p:stCondLst>
+                      <p:childTnLst>
+                        <p:par>
+                          <p:cTn id="4" fill="hold">
+                            <p:stCondLst>
+                              <p:cond delay="0"/>
+                            </p:stCondLst>
+                            <p:childTnLst>
+                              <p:par>
+                                <p:cTn id="5" presetID="10" presetClass="entr" presetSubtype="0" fill="hold" nodeType="withEffect">
+                                  <p:stCondLst>
+                                    <p:cond delay="0"/>
+                                  </p:stCondLst>
+                                  <p:childTnLst>
+                                    <p:set>
+                                      <p:cBhvr>
+                                        <p:cTn id="6" dur="1" fill="hold">
+                                          <p:stCondLst>
+                                            <p:cond delay="0"/>
+                                          </p:stCondLst>
+                                        </p:cTn>
+                                        <p:tgtEl>
+                                          <p:spTgt spid="8"/>
+                                        </p:tgtEl>
+                                        <p:attrNameLst>
+                                          <p:attrName>style.visibility</p:attrName>
+                                        </p:attrNameLst>
+                                      </p:cBhvr>
+                                      <p:to>
+                                        <p:strVal val="visible"/>
+                                      </p:to>
+                                    </p:set>
+                                    <p:animEffect transition="in" filter="fade">
+                                      <p:cBhvr>
+                                        <p:cTn id="7" dur="500"/>
+                                        <p:tgtEl>
+                                          <p:spTgt spid="8"/>
+                                        </p:tgtEl>
+                                      </p:cBhvr>
+                                    </p:animEffect>
+                                  </p:childTnLst>
+                                </p:cTn>
+                              </p:par>
+                            </p:childTnLst>
+                          </p:cTn>
+                        </p:par>
+                      </p:childTnLst>
+                    </p:cTn>
+                  </p:par>
+                </p:childTnLst>
+              </p:cTn>
+              <p:prevCondLst>
+                <p:cond evt="onPrev" delay="0">
+                  <p:tgtEl>
+                    <p:sldTgt/>
+                  </p:tgtEl>
+                </p:cond>
+              </p:prevCondLst>
+              <p:nextCondLst>
+                <p:cond evt="onNext" delay="0">
+                  <p:tgtEl>
+                    <p:sldTgt/>
+                  </p:tgtEl>
+                </p:cond>
+              </p:nextCondLst>
+            </p:seq>
+          </p:childTnLst>
+        </p:cTn>
+      </p:par>
+    </p:tnLst>
+  </p:timing>
 </p:sld>
 </file>
 
@@ -3118,7 +3353,14 @@
         <p:cNvGrpSpPr/>
         <p:nvPr/>
       </p:nvGrpSpPr>
-      <p:grpSpPr/>
+      <p:grpSpPr>
+        <a:xfrm>
+          <a:off x="0" y="0"/>
+          <a:ext cx="0" cy="0"/>
+          <a:chOff x="0" y="0"/>
+          <a:chExt cx="0" cy="0"/>
+        </a:xfrm>
+      </p:grpSpPr>
       <p:sp>
         <p:nvSpPr>
           <p:cNvPr id="2" name="标题 1"/>
@@ -3132,6 +3374,7 @@
         <p:spPr/>
         <p:txBody>
           <a:bodyPr/>
+          <a:lstStyle/>
           <a:p>
             <a:r>
               <a:rPr lang="zh-CN" altLang="en-US">
@@ -3156,31 +3399,96 @@
         <p:spPr/>
         <p:txBody>
           <a:bodyPr/>
-          <a:p>
-            <a:r>
-              <a:rPr lang="zh-CN" altLang="en-US"/>
+          <a:lstStyle/>
+          <a:p>
+            <a:r>
+              <a:rPr lang="zh-CN" altLang="en-US" dirty="0"/>
               <a:t>静态表：</a:t>
             </a:r>
             <a:r>
-              <a:rPr lang="en-US" altLang="zh-CN"/>
-              <a:t>t</a:t>
-            </a:r>
-            <a:r>
-              <a:rPr lang="en-US" altLang="zh-CN"/>
-              <a:t>ask</a:t>
-            </a:r>
-            <a:endParaRPr lang="en-US" altLang="zh-CN"/>
-          </a:p>
-          <a:p>
-            <a:r>
-              <a:rPr lang="zh-CN" altLang="en-US"/>
+              <a:rPr lang="en-US" altLang="zh-CN" dirty="0" smtClean="0"/>
+              <a:t>task</a:t>
+            </a:r>
+            <a:r>
+              <a:rPr lang="zh-CN" altLang="en-US" dirty="0" smtClean="0"/>
+              <a:t>（任务配置）</a:t>
+            </a:r>
+            <a:endParaRPr lang="en-US" altLang="zh-CN" dirty="0"/>
+          </a:p>
+          <a:p>
+            <a:r>
+              <a:rPr lang="zh-CN" altLang="en-US" dirty="0"/>
               <a:t>动态表：</a:t>
             </a:r>
             <a:r>
-              <a:rPr lang="en-US" altLang="zh-CN"/>
-              <a:t>user_score, user_history, task_record</a:t>
-            </a:r>
-            <a:endParaRPr lang="en-US" altLang="zh-CN"/>
+              <a:rPr lang="en-US" altLang="zh-CN" dirty="0" err="1" smtClean="0"/>
+              <a:t>user_score</a:t>
+            </a:r>
+            <a:r>
+              <a:rPr lang="zh-CN" altLang="en-US" dirty="0" smtClean="0"/>
+              <a:t>（用户积分汇总）</a:t>
+            </a:r>
+            <a:endParaRPr lang="en-US" altLang="zh-CN" dirty="0" smtClean="0"/>
+          </a:p>
+          <a:p>
+            <a:pPr marL="0" indent="0">
+              <a:buNone/>
+            </a:pPr>
+            <a:r>
+              <a:rPr lang="en-US" altLang="zh-CN" dirty="0"/>
+              <a:t>	 </a:t>
+            </a:r>
+            <a:r>
+              <a:rPr lang="en-US" altLang="zh-CN" dirty="0" smtClean="0"/>
+              <a:t>        </a:t>
+            </a:r>
+            <a:r>
+              <a:rPr lang="en-US" altLang="zh-CN" dirty="0" err="1" smtClean="0"/>
+              <a:t>user_history</a:t>
+            </a:r>
+            <a:r>
+              <a:rPr lang="en-US" altLang="zh-CN" dirty="0" smtClean="0"/>
+              <a:t> </a:t>
+            </a:r>
+            <a:r>
+              <a:rPr lang="zh-CN" altLang="en-US" dirty="0" smtClean="0"/>
+              <a:t>（任务积分流水</a:t>
+            </a:r>
+            <a:r>
+              <a:rPr lang="en-US" altLang="zh-CN" dirty="0" smtClean="0"/>
+              <a:t>/</a:t>
+            </a:r>
+            <a:r>
+              <a:rPr lang="zh-CN" altLang="en-US" dirty="0" smtClean="0"/>
+              <a:t>操作日志</a:t>
+            </a:r>
+            <a:r>
+              <a:rPr lang="zh-CN" altLang="en-US" dirty="0" smtClean="0"/>
+              <a:t>）</a:t>
+            </a:r>
+            <a:endParaRPr lang="en-US" altLang="zh-CN" dirty="0"/>
+          </a:p>
+          <a:p>
+            <a:pPr marL="0" indent="0">
+              <a:buNone/>
+            </a:pPr>
+            <a:r>
+              <a:rPr lang="en-US" altLang="zh-CN" dirty="0"/>
+              <a:t> </a:t>
+            </a:r>
+            <a:r>
+              <a:rPr lang="en-US" altLang="zh-CN" dirty="0" smtClean="0"/>
+              <a:t>	         </a:t>
+            </a:r>
+            <a:r>
+              <a:rPr lang="en-US" altLang="zh-CN" dirty="0" err="1" smtClean="0"/>
+              <a:t>task_record</a:t>
+            </a:r>
+            <a:r>
+              <a:rPr lang="zh-CN" altLang="en-US" dirty="0" smtClean="0"/>
+              <a:t>（记录用户每个任务的状态信息）</a:t>
+            </a:r>
+            <a:endParaRPr lang="en-US" altLang="zh-CN" dirty="0"/>
           </a:p>
         </p:txBody>
       </p:sp>
@@ -3189,6 +3497,13 @@
   <p:clrMapOvr>
     <a:masterClrMapping/>
   </p:clrMapOvr>
+  <p:timing>
+    <p:tnLst>
+      <p:par>
+        <p:cTn id="1" dur="indefinite" restart="never" nodeType="tmRoot"/>
+      </p:par>
+    </p:tnLst>
+  </p:timing>
 </p:sld>
 </file>
 
@@ -3201,7 +3516,14 @@
         <p:cNvGrpSpPr/>
         <p:nvPr/>
       </p:nvGrpSpPr>
-      <p:grpSpPr/>
+      <p:grpSpPr>
+        <a:xfrm>
+          <a:off x="0" y="0"/>
+          <a:ext cx="0" cy="0"/>
+          <a:chOff x="0" y="0"/>
+          <a:chExt cx="0" cy="0"/>
+        </a:xfrm>
+      </p:grpSpPr>
       <p:sp>
         <p:nvSpPr>
           <p:cNvPr id="2" name="标题 1"/>
@@ -3215,6 +3537,7 @@
         <p:spPr/>
         <p:txBody>
           <a:bodyPr/>
+          <a:lstStyle/>
           <a:p>
             <a:r>
               <a:rPr lang="en-US" altLang="zh-CN"/>
@@ -3224,7 +3547,6 @@
               <a:rPr lang="zh-CN" altLang="en-US"/>
               <a:t>设计</a:t>
             </a:r>
-            <a:endParaRPr lang="zh-CN" altLang="en-US"/>
           </a:p>
         </p:txBody>
       </p:sp>
@@ -3241,51 +3563,124 @@
         <p:spPr/>
         <p:txBody>
           <a:bodyPr/>
-          <a:p>
-            <a:r>
-              <a:rPr lang="en-US" altLang="zh-CN"/>
-              <a:t>/task/user/login			</a:t>
-            </a:r>
-            <a:r>
-              <a:rPr lang="zh-CN" altLang="en-US">
+          <a:lstStyle/>
+          <a:p>
+            <a:r>
+              <a:rPr lang="en-US" altLang="zh-CN" dirty="0" smtClean="0"/>
+              <a:t>/task/user/login</a:t>
+            </a:r>
+            <a:r>
+              <a:rPr lang="en-US" altLang="zh-CN" dirty="0"/>
+              <a:t>			</a:t>
+            </a:r>
+            <a:r>
+              <a:rPr lang="zh-CN" altLang="en-US" dirty="0">
                 <a:sym typeface="+mn-ea"/>
               </a:rPr>
-              <a:t>用户登录</a:t>
-            </a:r>
-            <a:endParaRPr lang="en-US" altLang="zh-CN"/>
-          </a:p>
-          <a:p>
-            <a:r>
-              <a:rPr lang="en-US" altLang="zh-CN"/>
+              <a:t>用户</a:t>
+            </a:r>
+            <a:r>
+              <a:rPr lang="zh-CN" altLang="en-US" dirty="0" smtClean="0">
+                <a:sym typeface="+mn-ea"/>
+              </a:rPr>
+              <a:t>登录</a:t>
+            </a:r>
+            <a:endParaRPr lang="en-US" altLang="zh-CN" dirty="0" smtClean="0">
+              <a:sym typeface="+mn-ea"/>
+            </a:endParaRPr>
+          </a:p>
+          <a:p>
+            <a:r>
+              <a:rPr lang="en-US" altLang="zh-CN" dirty="0" smtClean="0">
+                <a:sym typeface="+mn-ea"/>
+              </a:rPr>
               <a:t>/task/user/score			</a:t>
             </a:r>
             <a:r>
-              <a:rPr lang="zh-CN" altLang="en-US"/>
-              <a:t>获取任务列表</a:t>
-            </a:r>
-            <a:endParaRPr lang="zh-CN" altLang="en-US"/>
-          </a:p>
-          <a:p>
-            <a:r>
-              <a:rPr lang="en-US" altLang="zh-CN"/>
+              <a:rPr lang="zh-CN" altLang="en-US" dirty="0" smtClean="0">
+                <a:sym typeface="+mn-ea"/>
+              </a:rPr>
+              <a:t>查看用户积分</a:t>
+            </a:r>
+            <a:endParaRPr lang="en-US" altLang="zh-CN" dirty="0"/>
+          </a:p>
+          <a:p>
+            <a:r>
+              <a:rPr lang="en-US" altLang="zh-CN" dirty="0"/>
+              <a:t>/</a:t>
+            </a:r>
+            <a:r>
+              <a:rPr lang="en-US" altLang="zh-CN" dirty="0" smtClean="0"/>
+              <a:t>task/list</a:t>
+            </a:r>
+            <a:r>
+              <a:rPr lang="en-US" altLang="zh-CN" dirty="0"/>
+              <a:t>			</a:t>
+            </a:r>
+            <a:r>
+              <a:rPr lang="en-US" altLang="zh-CN" dirty="0" smtClean="0"/>
+              <a:t>	</a:t>
+            </a:r>
+            <a:r>
+              <a:rPr lang="zh-CN" altLang="en-US" dirty="0" smtClean="0"/>
+              <a:t>获取</a:t>
+            </a:r>
+            <a:r>
+              <a:rPr lang="zh-CN" altLang="en-US" dirty="0"/>
+              <a:t>任务列表</a:t>
+            </a:r>
+          </a:p>
+          <a:p>
+            <a:r>
+              <a:rPr lang="en-US" altLang="zh-CN" dirty="0"/>
               <a:t>/task</a:t>
             </a:r>
             <a:r>
-              <a:rPr lang="zh-CN" altLang="en-US"/>
-              <a:t>/{tid}/receive领取任务</a:t>
-            </a:r>
-            <a:endParaRPr lang="zh-CN" altLang="en-US"/>
-          </a:p>
-          <a:p>
-            <a:r>
-              <a:rPr lang="en-US" altLang="zh-CN"/>
+              <a:rPr lang="zh-CN" altLang="en-US" dirty="0"/>
+              <a:t>/{tid}/</a:t>
+            </a:r>
+            <a:r>
+              <a:rPr lang="zh-CN" altLang="en-US" dirty="0" smtClean="0"/>
+              <a:t>receive</a:t>
+            </a:r>
+            <a:r>
+              <a:rPr lang="en-US" altLang="zh-CN" dirty="0" smtClean="0"/>
+              <a:t>		</a:t>
+            </a:r>
+            <a:r>
+              <a:rPr lang="zh-CN" altLang="en-US" dirty="0" smtClean="0"/>
+              <a:t>领取</a:t>
+            </a:r>
+            <a:r>
+              <a:rPr lang="zh-CN" altLang="en-US" dirty="0"/>
+              <a:t>任务</a:t>
+            </a:r>
+          </a:p>
+          <a:p>
+            <a:r>
+              <a:rPr lang="en-US" altLang="zh-CN" dirty="0"/>
               <a:t>/task</a:t>
             </a:r>
             <a:r>
-              <a:rPr lang="zh-CN" altLang="en-US"/>
-              <a:t>/{tid}/finish做任务</a:t>
-            </a:r>
-            <a:endParaRPr lang="zh-CN" altLang="en-US"/>
+              <a:rPr lang="zh-CN" altLang="en-US" dirty="0"/>
+              <a:t>/{tid}/</a:t>
+            </a:r>
+            <a:r>
+              <a:rPr lang="zh-CN" altLang="en-US" dirty="0" smtClean="0"/>
+              <a:t>finish</a:t>
+            </a:r>
+            <a:r>
+              <a:rPr lang="en-US" altLang="zh-CN" dirty="0" smtClean="0"/>
+              <a:t>			</a:t>
+            </a:r>
+            <a:r>
+              <a:rPr lang="zh-CN" altLang="en-US" dirty="0" smtClean="0"/>
+              <a:t>做</a:t>
+            </a:r>
+            <a:r>
+              <a:rPr lang="zh-CN" altLang="en-US" dirty="0"/>
+              <a:t>任务</a:t>
+            </a:r>
           </a:p>
         </p:txBody>
       </p:sp>
@@ -3294,6 +3689,13 @@
   <p:clrMapOvr>
     <a:masterClrMapping/>
   </p:clrMapOvr>
+  <p:timing>
+    <p:tnLst>
+      <p:par>
+        <p:cTn id="1" dur="indefinite" restart="never" nodeType="tmRoot"/>
+      </p:par>
+    </p:tnLst>
+  </p:timing>
 </p:sld>
 </file>
 
@@ -3306,7 +3708,14 @@
         <p:cNvGrpSpPr/>
         <p:nvPr/>
       </p:nvGrpSpPr>
-      <p:grpSpPr/>
+      <p:grpSpPr>
+        <a:xfrm>
+          <a:off x="0" y="0"/>
+          <a:ext cx="0" cy="0"/>
+          <a:chOff x="0" y="0"/>
+          <a:chExt cx="0" cy="0"/>
+        </a:xfrm>
+      </p:grpSpPr>
       <p:sp>
         <p:nvSpPr>
           <p:cNvPr id="2" name="标题 1"/>
@@ -3320,12 +3729,13 @@
         <p:spPr/>
         <p:txBody>
           <a:bodyPr/>
-          <a:p>
-            <a:r>
-              <a:rPr lang="zh-CN" altLang="en-US"/>
-              <a:t>框架设计</a:t>
-            </a:r>
-            <a:endParaRPr lang="zh-CN" altLang="en-US"/>
+          <a:lstStyle/>
+          <a:p>
+            <a:r>
+              <a:rPr lang="zh-CN" altLang="en-US" dirty="0" smtClean="0"/>
+              <a:t>技术框架应用</a:t>
+            </a:r>
+            <a:endParaRPr lang="zh-CN" altLang="en-US" dirty="0"/>
           </a:p>
         </p:txBody>
       </p:sp>
@@ -3342,26 +3752,37 @@
         <p:spPr/>
         <p:txBody>
           <a:bodyPr/>
-          <a:p>
-            <a:r>
-              <a:rPr lang="en-US" altLang="zh-CN"/>
+          <a:lstStyle/>
+          <a:p>
+            <a:r>
+              <a:rPr lang="en-US" altLang="zh-CN" dirty="0" err="1"/>
               <a:t>SpringMVC</a:t>
             </a:r>
-            <a:endParaRPr lang="en-US" altLang="zh-CN"/>
-          </a:p>
-          <a:p>
-            <a:r>
-              <a:rPr lang="en-US" altLang="zh-CN"/>
+            <a:endParaRPr lang="en-US" altLang="zh-CN" dirty="0"/>
+          </a:p>
+          <a:p>
+            <a:r>
+              <a:rPr lang="en-US" altLang="zh-CN" dirty="0"/>
               <a:t>Spring</a:t>
             </a:r>
-            <a:endParaRPr lang="en-US" altLang="zh-CN"/>
-          </a:p>
-          <a:p>
-            <a:r>
-              <a:rPr lang="en-US" altLang="zh-CN"/>
+          </a:p>
+          <a:p>
+            <a:r>
+              <a:rPr lang="en-US" altLang="zh-CN" dirty="0" err="1" smtClean="0"/>
               <a:t>Mybatis+Redis</a:t>
             </a:r>
-            <a:endParaRPr lang="en-US" altLang="zh-CN"/>
+            <a:endParaRPr lang="en-US" altLang="zh-CN" dirty="0" smtClean="0"/>
+          </a:p>
+          <a:p>
+            <a:r>
+              <a:rPr lang="zh-CN" altLang="en-US" dirty="0" smtClean="0"/>
+              <a:t>前端</a:t>
+            </a:r>
+            <a:r>
+              <a:rPr lang="en-US" altLang="zh-CN" dirty="0" smtClean="0"/>
+              <a:t>Ajax</a:t>
+            </a:r>
+            <a:endParaRPr lang="en-US" altLang="zh-CN" dirty="0"/>
           </a:p>
         </p:txBody>
       </p:sp>
@@ -3370,6 +3791,13 @@
   <p:clrMapOvr>
     <a:masterClrMapping/>
   </p:clrMapOvr>
+  <p:timing>
+    <p:tnLst>
+      <p:par>
+        <p:cTn id="1" dur="indefinite" restart="never" nodeType="tmRoot"/>
+      </p:par>
+    </p:tnLst>
+  </p:timing>
 </p:sld>
 </file>
 
@@ -3382,7 +3810,14 @@
         <p:cNvGrpSpPr/>
         <p:nvPr/>
       </p:nvGrpSpPr>
-      <p:grpSpPr/>
+      <p:grpSpPr>
+        <a:xfrm>
+          <a:off x="0" y="0"/>
+          <a:ext cx="0" cy="0"/>
+          <a:chOff x="0" y="0"/>
+          <a:chExt cx="0" cy="0"/>
+        </a:xfrm>
+      </p:grpSpPr>
       <p:sp>
         <p:nvSpPr>
           <p:cNvPr id="2" name="标题 1"/>
@@ -3396,38 +3831,294 @@
         <p:spPr/>
         <p:txBody>
           <a:bodyPr/>
-          <a:p>
-            <a:r>
-              <a:rPr lang="zh-CN" altLang="en-US"/>
-              <a:t>功能分析</a:t>
-            </a:r>
-            <a:endParaRPr lang="zh-CN" altLang="en-US"/>
-          </a:p>
-        </p:txBody>
-      </p:sp>
-      <p:sp>
-        <p:nvSpPr>
-          <p:cNvPr id="3" name="内容占位符 2"/>
-          <p:cNvSpPr>
-            <a:spLocks noGrp="1"/>
-          </p:cNvSpPr>
+          <a:lstStyle/>
+          <a:p>
+            <a:r>
+              <a:rPr lang="zh-CN" altLang="en-US" dirty="0" smtClean="0"/>
+              <a:t>流程图</a:t>
+            </a:r>
+            <a:endParaRPr lang="zh-CN" altLang="en-US" dirty="0"/>
+          </a:p>
+        </p:txBody>
+      </p:sp>
+      <p:pic>
+        <p:nvPicPr>
+          <p:cNvPr id="5" name="内容占位符 4"/>
+          <p:cNvPicPr>
+            <a:picLocks noGrp="1" noChangeAspect="1"/>
+          </p:cNvPicPr>
           <p:nvPr>
             <p:ph idx="1"/>
           </p:nvPr>
-        </p:nvSpPr>
-        <p:spPr/>
-        <p:txBody>
-          <a:bodyPr/>
-          <a:p>
-            <a:endParaRPr lang="zh-CN" altLang="en-US"/>
-          </a:p>
-        </p:txBody>
-      </p:sp>
+        </p:nvPicPr>
+        <p:blipFill>
+          <a:blip r:embed="rId2"/>
+          <a:stretch>
+            <a:fillRect/>
+          </a:stretch>
+        </p:blipFill>
+        <p:spPr>
+          <a:xfrm>
+            <a:off x="347372" y="579548"/>
+            <a:ext cx="11216840" cy="2601533"/>
+          </a:xfrm>
+          <a:prstGeom prst="rect">
+            <a:avLst/>
+          </a:prstGeom>
+        </p:spPr>
+      </p:pic>
     </p:spTree>
   </p:cSld>
   <p:clrMapOvr>
     <a:masterClrMapping/>
   </p:clrMapOvr>
+  <p:timing>
+    <p:tnLst>
+      <p:par>
+        <p:cTn id="1" dur="indefinite" restart="never" nodeType="tmRoot">
+          <p:childTnLst>
+            <p:seq concurrent="1" nextAc="seek">
+              <p:cTn id="2" dur="indefinite" nodeType="mainSeq">
+                <p:childTnLst>
+                  <p:par>
+                    <p:cTn id="3" fill="hold">
+                      <p:stCondLst>
+                        <p:cond delay="indefinite"/>
+                        <p:cond evt="onBegin" delay="0">
+                          <p:tn val="2"/>
+                        </p:cond>
+                      </p:stCondLst>
+                      <p:childTnLst>
+                        <p:par>
+                          <p:cTn id="4" fill="hold">
+                            <p:stCondLst>
+                              <p:cond delay="0"/>
+                            </p:stCondLst>
+                            <p:childTnLst>
+                              <p:par>
+                                <p:cTn id="5" presetID="10" presetClass="entr" presetSubtype="0" fill="hold" nodeType="withEffect">
+                                  <p:stCondLst>
+                                    <p:cond delay="0"/>
+                                  </p:stCondLst>
+                                  <p:childTnLst>
+                                    <p:set>
+                                      <p:cBhvr>
+                                        <p:cTn id="6" dur="1" fill="hold">
+                                          <p:stCondLst>
+                                            <p:cond delay="0"/>
+                                          </p:stCondLst>
+                                        </p:cTn>
+                                        <p:tgtEl>
+                                          <p:spTgt spid="5"/>
+                                        </p:tgtEl>
+                                        <p:attrNameLst>
+                                          <p:attrName>style.visibility</p:attrName>
+                                        </p:attrNameLst>
+                                      </p:cBhvr>
+                                      <p:to>
+                                        <p:strVal val="visible"/>
+                                      </p:to>
+                                    </p:set>
+                                    <p:animEffect transition="in" filter="fade">
+                                      <p:cBhvr>
+                                        <p:cTn id="7" dur="500"/>
+                                        <p:tgtEl>
+                                          <p:spTgt spid="5"/>
+                                        </p:tgtEl>
+                                      </p:cBhvr>
+                                    </p:animEffect>
+                                  </p:childTnLst>
+                                </p:cTn>
+                              </p:par>
+                            </p:childTnLst>
+                          </p:cTn>
+                        </p:par>
+                      </p:childTnLst>
+                    </p:cTn>
+                  </p:par>
+                </p:childTnLst>
+              </p:cTn>
+              <p:prevCondLst>
+                <p:cond evt="onPrev" delay="0">
+                  <p:tgtEl>
+                    <p:sldTgt/>
+                  </p:tgtEl>
+                </p:cond>
+              </p:prevCondLst>
+              <p:nextCondLst>
+                <p:cond evt="onNext" delay="0">
+                  <p:tgtEl>
+                    <p:sldTgt/>
+                  </p:tgtEl>
+                </p:cond>
+              </p:nextCondLst>
+            </p:seq>
+          </p:childTnLst>
+        </p:cTn>
+      </p:par>
+    </p:tnLst>
+  </p:timing>
+</p:sld>
+</file>
+
+<file path=ppt/slides/slide8.xml><?xml version="1.0" encoding="utf-8"?>
+<p:sld xmlns:a="http://schemas.openxmlformats.org/drawingml/2006/main" xmlns:r="http://schemas.openxmlformats.org/officeDocument/2006/relationships" xmlns:p="http://schemas.openxmlformats.org/presentationml/2006/main">
+  <p:cSld>
+    <p:spTree>
+      <p:nvGrpSpPr>
+        <p:cNvPr id="1" name=""/>
+        <p:cNvGrpSpPr/>
+        <p:nvPr/>
+      </p:nvGrpSpPr>
+      <p:grpSpPr>
+        <a:xfrm>
+          <a:off x="0" y="0"/>
+          <a:ext cx="0" cy="0"/>
+          <a:chOff x="0" y="0"/>
+          <a:chExt cx="0" cy="0"/>
+        </a:xfrm>
+      </p:grpSpPr>
+      <p:sp>
+        <p:nvSpPr>
+          <p:cNvPr id="2" name="标题 1"/>
+          <p:cNvSpPr>
+            <a:spLocks noGrp="1"/>
+          </p:cNvSpPr>
+          <p:nvPr>
+            <p:ph type="title"/>
+          </p:nvPr>
+        </p:nvSpPr>
+        <p:spPr/>
+        <p:txBody>
+          <a:bodyPr/>
+          <a:lstStyle/>
+          <a:p>
+            <a:endParaRPr lang="zh-CN" altLang="en-US"/>
+          </a:p>
+        </p:txBody>
+      </p:sp>
+      <p:pic>
+        <p:nvPicPr>
+          <p:cNvPr id="4" name="内容占位符 3"/>
+          <p:cNvPicPr>
+            <a:picLocks noGrp="1" noChangeAspect="1"/>
+          </p:cNvPicPr>
+          <p:nvPr>
+            <p:ph idx="1"/>
+          </p:nvPr>
+        </p:nvPicPr>
+        <p:blipFill>
+          <a:blip r:embed="rId2"/>
+          <a:stretch>
+            <a:fillRect/>
+          </a:stretch>
+        </p:blipFill>
+        <p:spPr>
+          <a:xfrm>
+            <a:off x="632138" y="365125"/>
+            <a:ext cx="8249561" cy="5048239"/>
+          </a:xfrm>
+          <a:prstGeom prst="rect">
+            <a:avLst/>
+          </a:prstGeom>
+        </p:spPr>
+      </p:pic>
+    </p:spTree>
+    <p:extLst>
+      <p:ext uri="{BB962C8B-B14F-4D97-AF65-F5344CB8AC3E}">
+        <p14:creationId xmlns:p14="http://schemas.microsoft.com/office/powerpoint/2010/main" val="3773384224"/>
+      </p:ext>
+    </p:extLst>
+  </p:cSld>
+  <p:clrMapOvr>
+    <a:masterClrMapping/>
+  </p:clrMapOvr>
+  <p:timing>
+    <p:tnLst>
+      <p:par>
+        <p:cTn id="1" dur="indefinite" restart="never" nodeType="tmRoot">
+          <p:childTnLst>
+            <p:seq concurrent="1" nextAc="seek">
+              <p:cTn id="2" dur="indefinite" nodeType="mainSeq">
+                <p:childTnLst>
+                  <p:par>
+                    <p:cTn id="3" fill="hold">
+                      <p:stCondLst>
+                        <p:cond delay="indefinite"/>
+                        <p:cond evt="onBegin" delay="0">
+                          <p:tn val="2"/>
+                        </p:cond>
+                      </p:stCondLst>
+                      <p:childTnLst>
+                        <p:par>
+                          <p:cTn id="4" fill="hold">
+                            <p:stCondLst>
+                              <p:cond delay="0"/>
+                            </p:stCondLst>
+                            <p:childTnLst>
+                              <p:par>
+                                <p:cTn id="5" presetID="10" presetClass="entr" presetSubtype="0" fill="hold" nodeType="withEffect">
+                                  <p:stCondLst>
+                                    <p:cond delay="0"/>
+                                  </p:stCondLst>
+                                  <p:childTnLst>
+                                    <p:set>
+                                      <p:cBhvr>
+                                        <p:cTn id="6" dur="1" fill="hold">
+                                          <p:stCondLst>
+                                            <p:cond delay="0"/>
+                                          </p:stCondLst>
+                                        </p:cTn>
+                                        <p:tgtEl>
+                                          <p:spTgt spid="4"/>
+                                        </p:tgtEl>
+                                        <p:attrNameLst>
+                                          <p:attrName>style.visibility</p:attrName>
+                                        </p:attrNameLst>
+                                      </p:cBhvr>
+                                      <p:to>
+                                        <p:strVal val="visible"/>
+                                      </p:to>
+                                    </p:set>
+                                    <p:animEffect transition="in" filter="fade">
+                                      <p:cBhvr>
+                                        <p:cTn id="7" dur="500"/>
+                                        <p:tgtEl>
+                                          <p:spTgt spid="4"/>
+                                        </p:tgtEl>
+                                      </p:cBhvr>
+                                    </p:animEffect>
+                                  </p:childTnLst>
+                                </p:cTn>
+                              </p:par>
+                            </p:childTnLst>
+                          </p:cTn>
+                        </p:par>
+                      </p:childTnLst>
+                    </p:cTn>
+                  </p:par>
+                </p:childTnLst>
+              </p:cTn>
+              <p:prevCondLst>
+                <p:cond evt="onPrev" delay="0">
+                  <p:tgtEl>
+                    <p:sldTgt/>
+                  </p:tgtEl>
+                </p:cond>
+              </p:prevCondLst>
+              <p:nextCondLst>
+                <p:cond evt="onNext" delay="0">
+                  <p:tgtEl>
+                    <p:sldTgt/>
+                  </p:tgtEl>
+                </p:cond>
+              </p:nextCondLst>
+            </p:seq>
+          </p:childTnLst>
+        </p:cTn>
+      </p:par>
+    </p:tnLst>
+  </p:timing>
 </p:sld>
 </file>
 
